--- a/Revisions_Statique/Fiche_01_Statique_3D_TD_02_Quille/images/Figure.pptx
+++ b/Revisions_Statique/Fiche_01_Statique_3D_TD_02_Quille/images/Figure.pptx
@@ -6,6 +6,7 @@
   </p:sldMasterIdLst>
   <p:sldIdLst>
     <p:sldId id="256" r:id="rId2"/>
+    <p:sldId id="257" r:id="rId3"/>
   </p:sldIdLst>
   <p:sldSz cx="9144000" cy="6858000" type="screen4x3"/>
   <p:notesSz cx="6858000" cy="9144000"/>
@@ -288,7 +289,7 @@
           <a:p>
             <a:fld id="{AA309A6D-C09C-4548-B29A-6CF363A7E532}" type="datetimeFigureOut">
               <a:rPr lang="fr-FR" smtClean="0"/>
-              <a:t>17/04/2018</a:t>
+              <a:t>18/04/2018</a:t>
             </a:fld>
             <a:endParaRPr lang="fr-BE"/>
           </a:p>
@@ -453,7 +454,7 @@
           <a:p>
             <a:fld id="{AA309A6D-C09C-4548-B29A-6CF363A7E532}" type="datetimeFigureOut">
               <a:rPr lang="fr-FR" smtClean="0"/>
-              <a:t>17/04/2018</a:t>
+              <a:t>18/04/2018</a:t>
             </a:fld>
             <a:endParaRPr lang="fr-BE"/>
           </a:p>
@@ -628,7 +629,7 @@
           <a:p>
             <a:fld id="{AA309A6D-C09C-4548-B29A-6CF363A7E532}" type="datetimeFigureOut">
               <a:rPr lang="fr-FR" smtClean="0"/>
-              <a:t>17/04/2018</a:t>
+              <a:t>18/04/2018</a:t>
             </a:fld>
             <a:endParaRPr lang="fr-BE"/>
           </a:p>
@@ -793,7 +794,7 @@
           <a:p>
             <a:fld id="{AA309A6D-C09C-4548-B29A-6CF363A7E532}" type="datetimeFigureOut">
               <a:rPr lang="fr-FR" smtClean="0"/>
-              <a:t>17/04/2018</a:t>
+              <a:t>18/04/2018</a:t>
             </a:fld>
             <a:endParaRPr lang="fr-BE"/>
           </a:p>
@@ -1034,7 +1035,7 @@
           <a:p>
             <a:fld id="{AA309A6D-C09C-4548-B29A-6CF363A7E532}" type="datetimeFigureOut">
               <a:rPr lang="fr-FR" smtClean="0"/>
-              <a:t>17/04/2018</a:t>
+              <a:t>18/04/2018</a:t>
             </a:fld>
             <a:endParaRPr lang="fr-BE"/>
           </a:p>
@@ -1317,7 +1318,7 @@
           <a:p>
             <a:fld id="{AA309A6D-C09C-4548-B29A-6CF363A7E532}" type="datetimeFigureOut">
               <a:rPr lang="fr-FR" smtClean="0"/>
-              <a:t>17/04/2018</a:t>
+              <a:t>18/04/2018</a:t>
             </a:fld>
             <a:endParaRPr lang="fr-BE"/>
           </a:p>
@@ -1734,7 +1735,7 @@
           <a:p>
             <a:fld id="{AA309A6D-C09C-4548-B29A-6CF363A7E532}" type="datetimeFigureOut">
               <a:rPr lang="fr-FR" smtClean="0"/>
-              <a:t>17/04/2018</a:t>
+              <a:t>18/04/2018</a:t>
             </a:fld>
             <a:endParaRPr lang="fr-BE"/>
           </a:p>
@@ -1847,7 +1848,7 @@
           <a:p>
             <a:fld id="{AA309A6D-C09C-4548-B29A-6CF363A7E532}" type="datetimeFigureOut">
               <a:rPr lang="fr-FR" smtClean="0"/>
-              <a:t>17/04/2018</a:t>
+              <a:t>18/04/2018</a:t>
             </a:fld>
             <a:endParaRPr lang="fr-BE"/>
           </a:p>
@@ -1937,7 +1938,7 @@
           <a:p>
             <a:fld id="{AA309A6D-C09C-4548-B29A-6CF363A7E532}" type="datetimeFigureOut">
               <a:rPr lang="fr-FR" smtClean="0"/>
-              <a:t>17/04/2018</a:t>
+              <a:t>18/04/2018</a:t>
             </a:fld>
             <a:endParaRPr lang="fr-BE"/>
           </a:p>
@@ -2209,7 +2210,7 @@
           <a:p>
             <a:fld id="{AA309A6D-C09C-4548-B29A-6CF363A7E532}" type="datetimeFigureOut">
               <a:rPr lang="fr-FR" smtClean="0"/>
-              <a:t>17/04/2018</a:t>
+              <a:t>18/04/2018</a:t>
             </a:fld>
             <a:endParaRPr lang="fr-BE"/>
           </a:p>
@@ -2457,7 +2458,7 @@
           <a:p>
             <a:fld id="{AA309A6D-C09C-4548-B29A-6CF363A7E532}" type="datetimeFigureOut">
               <a:rPr lang="fr-FR" smtClean="0"/>
-              <a:t>17/04/2018</a:t>
+              <a:t>18/04/2018</a:t>
             </a:fld>
             <a:endParaRPr lang="fr-BE"/>
           </a:p>
@@ -2665,7 +2666,7 @@
           <a:p>
             <a:fld id="{AA309A6D-C09C-4548-B29A-6CF363A7E532}" type="datetimeFigureOut">
               <a:rPr lang="fr-FR" smtClean="0"/>
-              <a:t>17/04/2018</a:t>
+              <a:t>18/04/2018</a:t>
             </a:fld>
             <a:endParaRPr lang="fr-BE"/>
           </a:p>
@@ -3628,8 +3629,8 @@
           </a:fontRef>
         </p:style>
       </p:cxnSp>
-      <mc:AlternateContent xmlns:mc="http://schemas.openxmlformats.org/markup-compatibility/2006">
-        <mc:Choice xmlns:a14="http://schemas.microsoft.com/office/drawing/2010/main" Requires="a14">
+      <mc:AlternateContent xmlns:mc="http://schemas.openxmlformats.org/markup-compatibility/2006" xmlns:a14="http://schemas.microsoft.com/office/drawing/2010/main">
+        <mc:Choice Requires="a14">
           <p:sp>
             <p:nvSpPr>
               <p:cNvPr id="44" name="ZoneTexte 43"/>
@@ -3734,7 +3735,7 @@
             </p:txBody>
           </p:sp>
         </mc:Choice>
-        <mc:Fallback>
+        <mc:Fallback xmlns="">
           <p:sp>
             <p:nvSpPr>
               <p:cNvPr id="44" name="ZoneTexte 43"/>
@@ -3773,8 +3774,8 @@
           </p:sp>
         </mc:Fallback>
       </mc:AlternateContent>
-      <mc:AlternateContent xmlns:mc="http://schemas.openxmlformats.org/markup-compatibility/2006">
-        <mc:Choice xmlns:a14="http://schemas.microsoft.com/office/drawing/2010/main" Requires="a14">
+      <mc:AlternateContent xmlns:mc="http://schemas.openxmlformats.org/markup-compatibility/2006" xmlns:a14="http://schemas.microsoft.com/office/drawing/2010/main">
+        <mc:Choice Requires="a14">
           <p:sp>
             <p:nvSpPr>
               <p:cNvPr id="46" name="ZoneTexte 45"/>
@@ -3803,6 +3804,7 @@
                 </a:r>
               </a:p>
               <a:p>
+                <a:pPr/>
                 <a14:m>
                   <m:oMathPara xmlns:m="http://schemas.openxmlformats.org/officeDocument/2006/math">
                     <m:oMathParaPr>
@@ -3896,7 +3898,7 @@
             </p:txBody>
           </p:sp>
         </mc:Choice>
-        <mc:Fallback>
+        <mc:Fallback xmlns="">
           <p:sp>
             <p:nvSpPr>
               <p:cNvPr id="46" name="ZoneTexte 45"/>
@@ -3935,8 +3937,8 @@
           </p:sp>
         </mc:Fallback>
       </mc:AlternateContent>
-      <mc:AlternateContent xmlns:mc="http://schemas.openxmlformats.org/markup-compatibility/2006">
-        <mc:Choice xmlns:a14="http://schemas.microsoft.com/office/drawing/2010/main" Requires="a14">
+      <mc:AlternateContent xmlns:mc="http://schemas.openxmlformats.org/markup-compatibility/2006" xmlns:a14="http://schemas.microsoft.com/office/drawing/2010/main">
+        <mc:Choice Requires="a14">
           <p:sp>
             <p:nvSpPr>
               <p:cNvPr id="47" name="ZoneTexte 46"/>
@@ -3965,6 +3967,7 @@
                 </a:r>
               </a:p>
               <a:p>
+                <a:pPr/>
                 <a14:m>
                   <m:oMathPara xmlns:m="http://schemas.openxmlformats.org/officeDocument/2006/math">
                     <m:oMathParaPr>
@@ -4058,7 +4061,7 @@
             </p:txBody>
           </p:sp>
         </mc:Choice>
-        <mc:Fallback>
+        <mc:Fallback xmlns="">
           <p:sp>
             <p:nvSpPr>
               <p:cNvPr id="47" name="ZoneTexte 46"/>
@@ -4097,8 +4100,8 @@
           </p:sp>
         </mc:Fallback>
       </mc:AlternateContent>
-      <mc:AlternateContent xmlns:mc="http://schemas.openxmlformats.org/markup-compatibility/2006">
-        <mc:Choice xmlns:a14="http://schemas.microsoft.com/office/drawing/2010/main" Requires="a14">
+      <mc:AlternateContent xmlns:mc="http://schemas.openxmlformats.org/markup-compatibility/2006" xmlns:a14="http://schemas.microsoft.com/office/drawing/2010/main">
+        <mc:Choice Requires="a14">
           <p:sp>
             <p:nvSpPr>
               <p:cNvPr id="48" name="ZoneTexte 47"/>
@@ -4140,7 +4143,7 @@
             </p:txBody>
           </p:sp>
         </mc:Choice>
-        <mc:Fallback>
+        <mc:Fallback xmlns="">
           <p:sp>
             <p:nvSpPr>
               <p:cNvPr id="48" name="ZoneTexte 47"/>
@@ -4179,8 +4182,8 @@
           </p:sp>
         </mc:Fallback>
       </mc:AlternateContent>
-      <mc:AlternateContent xmlns:mc="http://schemas.openxmlformats.org/markup-compatibility/2006">
-        <mc:Choice xmlns:a14="http://schemas.microsoft.com/office/drawing/2010/main" Requires="a14">
+      <mc:AlternateContent xmlns:mc="http://schemas.openxmlformats.org/markup-compatibility/2006" xmlns:a14="http://schemas.microsoft.com/office/drawing/2010/main">
+        <mc:Choice Requires="a14">
           <p:sp>
             <p:nvSpPr>
               <p:cNvPr id="49" name="ZoneTexte 48"/>
@@ -4222,7 +4225,7 @@
             </p:txBody>
           </p:sp>
         </mc:Choice>
-        <mc:Fallback>
+        <mc:Fallback xmlns="">
           <p:sp>
             <p:nvSpPr>
               <p:cNvPr id="49" name="ZoneTexte 48"/>
@@ -4570,8 +4573,8 @@
           </a:p>
         </p:txBody>
       </p:sp>
-      <mc:AlternateContent xmlns:mc="http://schemas.openxmlformats.org/markup-compatibility/2006">
-        <mc:Choice xmlns:a14="http://schemas.microsoft.com/office/drawing/2010/main" Requires="a14">
+      <mc:AlternateContent xmlns:mc="http://schemas.openxmlformats.org/markup-compatibility/2006" xmlns:a14="http://schemas.microsoft.com/office/drawing/2010/main">
+        <mc:Choice Requires="a14">
           <p:sp>
             <p:nvSpPr>
               <p:cNvPr id="50" name="ZoneTexte 49"/>
@@ -4632,7 +4635,7 @@
             </p:txBody>
           </p:sp>
         </mc:Choice>
-        <mc:Fallback>
+        <mc:Fallback xmlns="">
           <p:sp>
             <p:nvSpPr>
               <p:cNvPr id="50" name="ZoneTexte 49"/>
@@ -4671,8 +4674,8 @@
           </p:sp>
         </mc:Fallback>
       </mc:AlternateContent>
-      <mc:AlternateContent xmlns:mc="http://schemas.openxmlformats.org/markup-compatibility/2006">
-        <mc:Choice xmlns:a14="http://schemas.microsoft.com/office/drawing/2010/main" Requires="a14">
+      <mc:AlternateContent xmlns:mc="http://schemas.openxmlformats.org/markup-compatibility/2006" xmlns:a14="http://schemas.microsoft.com/office/drawing/2010/main">
+        <mc:Choice Requires="a14">
           <p:sp>
             <p:nvSpPr>
               <p:cNvPr id="51" name="ZoneTexte 50"/>
@@ -4733,7 +4736,7 @@
             </p:txBody>
           </p:sp>
         </mc:Choice>
-        <mc:Fallback>
+        <mc:Fallback xmlns="">
           <p:sp>
             <p:nvSpPr>
               <p:cNvPr id="51" name="ZoneTexte 50"/>
@@ -4996,6 +4999,1025 @@
     <p:extLst>
       <p:ext uri="{BB962C8B-B14F-4D97-AF65-F5344CB8AC3E}">
         <p14:creationId xmlns:p14="http://schemas.microsoft.com/office/powerpoint/2010/main" val="745607659"/>
+      </p:ext>
+    </p:extLst>
+  </p:cSld>
+  <p:clrMapOvr>
+    <a:masterClrMapping/>
+  </p:clrMapOvr>
+</p:sld>
+</file>
+
+<file path=ppt/slides/slide2.xml><?xml version="1.0" encoding="utf-8"?>
+<p:sld xmlns:a="http://schemas.openxmlformats.org/drawingml/2006/main" xmlns:r="http://schemas.openxmlformats.org/officeDocument/2006/relationships" xmlns:p="http://schemas.openxmlformats.org/presentationml/2006/main">
+  <p:cSld>
+    <p:spTree>
+      <p:nvGrpSpPr>
+        <p:cNvPr id="1" name=""/>
+        <p:cNvGrpSpPr/>
+        <p:nvPr/>
+      </p:nvGrpSpPr>
+      <p:grpSpPr>
+        <a:xfrm>
+          <a:off x="0" y="0"/>
+          <a:ext cx="0" cy="0"/>
+          <a:chOff x="0" y="0"/>
+          <a:chExt cx="0" cy="0"/>
+        </a:xfrm>
+      </p:grpSpPr>
+      <p:grpSp>
+        <p:nvGrpSpPr>
+          <p:cNvPr id="7" name="Groupe 6"/>
+          <p:cNvGrpSpPr/>
+          <p:nvPr/>
+        </p:nvGrpSpPr>
+        <p:grpSpPr>
+          <a:xfrm>
+            <a:off x="1691680" y="1916832"/>
+            <a:ext cx="792088" cy="792088"/>
+            <a:chOff x="1691680" y="1916832"/>
+            <a:chExt cx="792088" cy="792088"/>
+          </a:xfrm>
+        </p:grpSpPr>
+        <p:cxnSp>
+          <p:nvCxnSpPr>
+            <p:cNvPr id="5" name="Connecteur droit 4"/>
+            <p:cNvCxnSpPr/>
+            <p:nvPr/>
+          </p:nvCxnSpPr>
+          <p:spPr>
+            <a:xfrm flipV="1">
+              <a:off x="1691680" y="1916832"/>
+              <a:ext cx="0" cy="792088"/>
+            </a:xfrm>
+            <a:prstGeom prst="line">
+              <a:avLst/>
+            </a:prstGeom>
+            <a:ln w="19050">
+              <a:solidFill>
+                <a:schemeClr val="tx1"/>
+              </a:solidFill>
+              <a:tailEnd type="stealth" w="med" len="lg"/>
+            </a:ln>
+          </p:spPr>
+          <p:style>
+            <a:lnRef idx="1">
+              <a:schemeClr val="accent1"/>
+            </a:lnRef>
+            <a:fillRef idx="0">
+              <a:schemeClr val="accent1"/>
+            </a:fillRef>
+            <a:effectRef idx="0">
+              <a:schemeClr val="accent1"/>
+            </a:effectRef>
+            <a:fontRef idx="minor">
+              <a:schemeClr val="tx1"/>
+            </a:fontRef>
+          </p:style>
+        </p:cxnSp>
+        <p:cxnSp>
+          <p:nvCxnSpPr>
+            <p:cNvPr id="6" name="Connecteur droit 5"/>
+            <p:cNvCxnSpPr/>
+            <p:nvPr/>
+          </p:nvCxnSpPr>
+          <p:spPr>
+            <a:xfrm rot="5400000" flipV="1">
+              <a:off x="2087724" y="2312876"/>
+              <a:ext cx="0" cy="792088"/>
+            </a:xfrm>
+            <a:prstGeom prst="line">
+              <a:avLst/>
+            </a:prstGeom>
+            <a:ln w="19050">
+              <a:solidFill>
+                <a:schemeClr val="tx1"/>
+              </a:solidFill>
+              <a:tailEnd type="stealth" w="med" len="lg"/>
+            </a:ln>
+          </p:spPr>
+          <p:style>
+            <a:lnRef idx="1">
+              <a:schemeClr val="accent1"/>
+            </a:lnRef>
+            <a:fillRef idx="0">
+              <a:schemeClr val="accent1"/>
+            </a:fillRef>
+            <a:effectRef idx="0">
+              <a:schemeClr val="accent1"/>
+            </a:effectRef>
+            <a:fontRef idx="minor">
+              <a:schemeClr val="tx1"/>
+            </a:fontRef>
+          </p:style>
+        </p:cxnSp>
+      </p:grpSp>
+      <p:grpSp>
+        <p:nvGrpSpPr>
+          <p:cNvPr id="8" name="Groupe 7"/>
+          <p:cNvGrpSpPr/>
+          <p:nvPr/>
+        </p:nvGrpSpPr>
+        <p:grpSpPr>
+          <a:xfrm rot="20700000">
+            <a:off x="1579937" y="1827823"/>
+            <a:ext cx="792088" cy="792088"/>
+            <a:chOff x="1691680" y="1916832"/>
+            <a:chExt cx="792088" cy="792088"/>
+          </a:xfrm>
+        </p:grpSpPr>
+        <p:cxnSp>
+          <p:nvCxnSpPr>
+            <p:cNvPr id="9" name="Connecteur droit 8"/>
+            <p:cNvCxnSpPr/>
+            <p:nvPr/>
+          </p:nvCxnSpPr>
+          <p:spPr>
+            <a:xfrm flipV="1">
+              <a:off x="1691680" y="1916832"/>
+              <a:ext cx="0" cy="792088"/>
+            </a:xfrm>
+            <a:prstGeom prst="line">
+              <a:avLst/>
+            </a:prstGeom>
+            <a:ln w="19050">
+              <a:solidFill>
+                <a:schemeClr val="accent1"/>
+              </a:solidFill>
+              <a:tailEnd type="stealth" w="med" len="lg"/>
+            </a:ln>
+          </p:spPr>
+          <p:style>
+            <a:lnRef idx="1">
+              <a:schemeClr val="accent1"/>
+            </a:lnRef>
+            <a:fillRef idx="0">
+              <a:schemeClr val="accent1"/>
+            </a:fillRef>
+            <a:effectRef idx="0">
+              <a:schemeClr val="accent1"/>
+            </a:effectRef>
+            <a:fontRef idx="minor">
+              <a:schemeClr val="tx1"/>
+            </a:fontRef>
+          </p:style>
+        </p:cxnSp>
+        <p:cxnSp>
+          <p:nvCxnSpPr>
+            <p:cNvPr id="10" name="Connecteur droit 9"/>
+            <p:cNvCxnSpPr/>
+            <p:nvPr/>
+          </p:nvCxnSpPr>
+          <p:spPr>
+            <a:xfrm rot="5400000" flipV="1">
+              <a:off x="2087724" y="2312876"/>
+              <a:ext cx="0" cy="792088"/>
+            </a:xfrm>
+            <a:prstGeom prst="line">
+              <a:avLst/>
+            </a:prstGeom>
+            <a:ln w="19050">
+              <a:solidFill>
+                <a:schemeClr val="accent1"/>
+              </a:solidFill>
+              <a:tailEnd type="stealth" w="med" len="lg"/>
+            </a:ln>
+          </p:spPr>
+          <p:style>
+            <a:lnRef idx="1">
+              <a:schemeClr val="accent1"/>
+            </a:lnRef>
+            <a:fillRef idx="0">
+              <a:schemeClr val="accent1"/>
+            </a:fillRef>
+            <a:effectRef idx="0">
+              <a:schemeClr val="accent1"/>
+            </a:effectRef>
+            <a:fontRef idx="minor">
+              <a:schemeClr val="tx1"/>
+            </a:fontRef>
+          </p:style>
+        </p:cxnSp>
+      </p:grpSp>
+      <p:sp>
+        <p:nvSpPr>
+          <p:cNvPr id="11" name="Arc 10"/>
+          <p:cNvSpPr/>
+          <p:nvPr/>
+        </p:nvSpPr>
+        <p:spPr>
+          <a:xfrm>
+            <a:off x="971600" y="1963234"/>
+            <a:ext cx="1440160" cy="1440160"/>
+          </a:xfrm>
+          <a:prstGeom prst="arc">
+            <a:avLst>
+              <a:gd name="adj1" fmla="val 20908293"/>
+              <a:gd name="adj2" fmla="val 0"/>
+            </a:avLst>
+          </a:prstGeom>
+          <a:ln w="12700">
+            <a:solidFill>
+              <a:schemeClr val="tx1"/>
+            </a:solidFill>
+            <a:headEnd type="stealth" w="sm" len="med"/>
+          </a:ln>
+        </p:spPr>
+        <p:style>
+          <a:lnRef idx="1">
+            <a:schemeClr val="accent1"/>
+          </a:lnRef>
+          <a:fillRef idx="0">
+            <a:schemeClr val="accent1"/>
+          </a:fillRef>
+          <a:effectRef idx="0">
+            <a:schemeClr val="accent1"/>
+          </a:effectRef>
+          <a:fontRef idx="minor">
+            <a:schemeClr val="tx1"/>
+          </a:fontRef>
+        </p:style>
+        <p:txBody>
+          <a:bodyPr rtlCol="0" anchor="ctr"/>
+          <a:lstStyle/>
+          <a:p>
+            <a:pPr algn="ctr"/>
+            <a:endParaRPr lang="fr-FR"/>
+          </a:p>
+        </p:txBody>
+      </p:sp>
+      <p:sp>
+        <p:nvSpPr>
+          <p:cNvPr id="12" name="Ellipse 11"/>
+          <p:cNvSpPr/>
+          <p:nvPr/>
+        </p:nvSpPr>
+        <p:spPr>
+          <a:xfrm>
+            <a:off x="1637680" y="2654921"/>
+            <a:ext cx="108000" cy="108000"/>
+          </a:xfrm>
+          <a:prstGeom prst="ellipse">
+            <a:avLst/>
+          </a:prstGeom>
+          <a:solidFill>
+            <a:schemeClr val="bg1"/>
+          </a:solidFill>
+          <a:ln w="12700">
+            <a:solidFill>
+              <a:schemeClr val="tx1"/>
+            </a:solidFill>
+          </a:ln>
+        </p:spPr>
+        <p:style>
+          <a:lnRef idx="2">
+            <a:schemeClr val="accent1">
+              <a:shade val="50000"/>
+            </a:schemeClr>
+          </a:lnRef>
+          <a:fillRef idx="1">
+            <a:schemeClr val="accent1"/>
+          </a:fillRef>
+          <a:effectRef idx="0">
+            <a:schemeClr val="accent1"/>
+          </a:effectRef>
+          <a:fontRef idx="minor">
+            <a:schemeClr val="lt1"/>
+          </a:fontRef>
+        </p:style>
+        <p:txBody>
+          <a:bodyPr rtlCol="0" anchor="ctr"/>
+          <a:lstStyle/>
+          <a:p>
+            <a:pPr algn="ctr"/>
+            <a:endParaRPr lang="fr-FR"/>
+          </a:p>
+        </p:txBody>
+      </p:sp>
+      <p:sp>
+        <p:nvSpPr>
+          <p:cNvPr id="13" name="Ellipse 12"/>
+          <p:cNvSpPr/>
+          <p:nvPr/>
+        </p:nvSpPr>
+        <p:spPr>
+          <a:xfrm flipV="1">
+            <a:off x="1673680" y="2690920"/>
+            <a:ext cx="36000" cy="36000"/>
+          </a:xfrm>
+          <a:prstGeom prst="ellipse">
+            <a:avLst/>
+          </a:prstGeom>
+          <a:solidFill>
+            <a:schemeClr val="tx1"/>
+          </a:solidFill>
+          <a:ln w="12700">
+            <a:solidFill>
+              <a:schemeClr val="tx1"/>
+            </a:solidFill>
+          </a:ln>
+        </p:spPr>
+        <p:style>
+          <a:lnRef idx="2">
+            <a:schemeClr val="accent1">
+              <a:shade val="50000"/>
+            </a:schemeClr>
+          </a:lnRef>
+          <a:fillRef idx="1">
+            <a:schemeClr val="accent1"/>
+          </a:fillRef>
+          <a:effectRef idx="0">
+            <a:schemeClr val="accent1"/>
+          </a:effectRef>
+          <a:fontRef idx="minor">
+            <a:schemeClr val="lt1"/>
+          </a:fontRef>
+        </p:style>
+        <p:txBody>
+          <a:bodyPr rtlCol="0" anchor="ctr"/>
+          <a:lstStyle/>
+          <a:p>
+            <a:pPr algn="ctr"/>
+            <a:endParaRPr lang="fr-FR"/>
+          </a:p>
+        </p:txBody>
+      </p:sp>
+      <mc:AlternateContent xmlns:mc="http://schemas.openxmlformats.org/markup-compatibility/2006">
+        <mc:Choice xmlns:a14="http://schemas.microsoft.com/office/drawing/2010/main" Requires="a14">
+          <p:sp>
+            <p:nvSpPr>
+              <p:cNvPr id="14" name="ZoneTexte 13"/>
+              <p:cNvSpPr txBox="1"/>
+              <p:nvPr/>
+            </p:nvSpPr>
+            <p:spPr>
+              <a:xfrm>
+                <a:off x="2461035" y="2470255"/>
+                <a:ext cx="353815" cy="261610"/>
+              </a:xfrm>
+              <a:prstGeom prst="rect">
+                <a:avLst/>
+              </a:prstGeom>
+              <a:noFill/>
+            </p:spPr>
+            <p:txBody>
+              <a:bodyPr wrap="none" rtlCol="0">
+                <a:spAutoFit/>
+              </a:bodyPr>
+              <a:lstStyle/>
+              <a:p>
+                <a14:m>
+                  <m:oMathPara xmlns:m="http://schemas.openxmlformats.org/officeDocument/2006/math">
+                    <m:oMathParaPr>
+                      <m:jc m:val="centerGroup"/>
+                    </m:oMathParaPr>
+                    <m:oMath xmlns:m="http://schemas.openxmlformats.org/officeDocument/2006/math">
+                      <m:sSub>
+                        <m:sSubPr>
+                          <m:ctrlPr>
+                            <a:rPr lang="fr-FR" sz="1050" b="0" i="1" smtClean="0">
+                              <a:latin typeface="Cambria Math"/>
+                            </a:rPr>
+                          </m:ctrlPr>
+                        </m:sSubPr>
+                        <m:e>
+                          <m:r>
+                            <a:rPr lang="fr-FR" sz="1050" b="0" i="1" smtClean="0">
+                              <a:latin typeface="Cambria Math"/>
+                            </a:rPr>
+                            <m:t>𝜃</m:t>
+                          </m:r>
+                        </m:e>
+                        <m:sub>
+                          <m:r>
+                            <a:rPr lang="fr-FR" sz="1050" b="0" i="1" smtClean="0">
+                              <a:latin typeface="Cambria Math"/>
+                            </a:rPr>
+                            <m:t>1</m:t>
+                          </m:r>
+                        </m:sub>
+                      </m:sSub>
+                    </m:oMath>
+                  </m:oMathPara>
+                </a14:m>
+                <a:endParaRPr lang="fr-FR" sz="1050" dirty="0"/>
+              </a:p>
+            </p:txBody>
+          </p:sp>
+        </mc:Choice>
+        <mc:Fallback>
+          <p:sp>
+            <p:nvSpPr>
+              <p:cNvPr id="14" name="ZoneTexte 13"/>
+              <p:cNvSpPr txBox="1">
+                <a:spLocks noRot="1" noChangeAspect="1" noMove="1" noResize="1" noEditPoints="1" noAdjustHandles="1" noChangeArrowheads="1" noChangeShapeType="1" noTextEdit="1"/>
+              </p:cNvSpPr>
+              <p:nvPr/>
+            </p:nvSpPr>
+            <p:spPr>
+              <a:xfrm>
+                <a:off x="2461035" y="2470255"/>
+                <a:ext cx="353815" cy="261610"/>
+              </a:xfrm>
+              <a:prstGeom prst="rect">
+                <a:avLst/>
+              </a:prstGeom>
+              <a:blipFill rotWithShape="1">
+                <a:blip r:embed="rId2"/>
+                <a:stretch>
+                  <a:fillRect/>
+                </a:stretch>
+              </a:blipFill>
+            </p:spPr>
+            <p:txBody>
+              <a:bodyPr/>
+              <a:lstStyle/>
+              <a:p>
+                <a:r>
+                  <a:rPr lang="fr-FR">
+                    <a:noFill/>
+                  </a:rPr>
+                  <a:t> </a:t>
+                </a:r>
+              </a:p>
+            </p:txBody>
+          </p:sp>
+        </mc:Fallback>
+      </mc:AlternateContent>
+      <mc:AlternateContent xmlns:mc="http://schemas.openxmlformats.org/markup-compatibility/2006">
+        <mc:Choice xmlns:a14="http://schemas.microsoft.com/office/drawing/2010/main" Requires="a14">
+          <p:sp>
+            <p:nvSpPr>
+              <p:cNvPr id="15" name="ZoneTexte 14"/>
+              <p:cNvSpPr txBox="1"/>
+              <p:nvPr/>
+            </p:nvSpPr>
+            <p:spPr>
+              <a:xfrm>
+                <a:off x="1514772" y="2769932"/>
+                <a:ext cx="359201" cy="253916"/>
+              </a:xfrm>
+              <a:prstGeom prst="rect">
+                <a:avLst/>
+              </a:prstGeom>
+              <a:noFill/>
+            </p:spPr>
+            <p:txBody>
+              <a:bodyPr wrap="none" rtlCol="0">
+                <a:spAutoFit/>
+              </a:bodyPr>
+              <a:lstStyle/>
+              <a:p>
+                <a14:m>
+                  <m:oMathPara xmlns:m="http://schemas.openxmlformats.org/officeDocument/2006/math">
+                    <m:oMathParaPr>
+                      <m:jc m:val="centerGroup"/>
+                    </m:oMathParaPr>
+                    <m:oMath xmlns:m="http://schemas.openxmlformats.org/officeDocument/2006/math">
+                      <m:acc>
+                        <m:accPr>
+                          <m:chr m:val="⃗"/>
+                          <m:ctrlPr>
+                            <a:rPr lang="fr-FR" sz="1050" b="0" i="1" smtClean="0">
+                              <a:latin typeface="Cambria Math"/>
+                            </a:rPr>
+                          </m:ctrlPr>
+                        </m:accPr>
+                        <m:e>
+                          <m:sSub>
+                            <m:sSubPr>
+                              <m:ctrlPr>
+                                <a:rPr lang="fr-FR" sz="1050" i="1">
+                                  <a:latin typeface="Cambria Math"/>
+                                </a:rPr>
+                              </m:ctrlPr>
+                            </m:sSubPr>
+                            <m:e>
+                              <m:r>
+                                <a:rPr lang="fr-FR" sz="1050" i="1">
+                                  <a:latin typeface="Cambria Math"/>
+                                </a:rPr>
+                                <m:t>𝑧</m:t>
+                              </m:r>
+                            </m:e>
+                            <m:sub>
+                              <m:r>
+                                <a:rPr lang="fr-FR" sz="1050" i="1">
+                                  <a:latin typeface="Cambria Math"/>
+                                </a:rPr>
+                                <m:t>𝑁</m:t>
+                              </m:r>
+                            </m:sub>
+                          </m:sSub>
+                        </m:e>
+                      </m:acc>
+                    </m:oMath>
+                  </m:oMathPara>
+                </a14:m>
+                <a:endParaRPr lang="fr-FR" sz="1050" dirty="0"/>
+              </a:p>
+            </p:txBody>
+          </p:sp>
+        </mc:Choice>
+        <mc:Fallback>
+          <p:sp>
+            <p:nvSpPr>
+              <p:cNvPr id="15" name="ZoneTexte 14"/>
+              <p:cNvSpPr txBox="1">
+                <a:spLocks noRot="1" noChangeAspect="1" noMove="1" noResize="1" noEditPoints="1" noAdjustHandles="1" noChangeArrowheads="1" noChangeShapeType="1" noTextEdit="1"/>
+              </p:cNvSpPr>
+              <p:nvPr/>
+            </p:nvSpPr>
+            <p:spPr>
+              <a:xfrm>
+                <a:off x="1514772" y="2769932"/>
+                <a:ext cx="359201" cy="253916"/>
+              </a:xfrm>
+              <a:prstGeom prst="rect">
+                <a:avLst/>
+              </a:prstGeom>
+              <a:blipFill rotWithShape="1">
+                <a:blip r:embed="rId3"/>
+                <a:stretch>
+                  <a:fillRect/>
+                </a:stretch>
+              </a:blipFill>
+            </p:spPr>
+            <p:txBody>
+              <a:bodyPr/>
+              <a:lstStyle/>
+              <a:p>
+                <a:r>
+                  <a:rPr lang="fr-FR">
+                    <a:noFill/>
+                  </a:rPr>
+                  <a:t> </a:t>
+                </a:r>
+              </a:p>
+            </p:txBody>
+          </p:sp>
+        </mc:Fallback>
+      </mc:AlternateContent>
+      <mc:AlternateContent xmlns:mc="http://schemas.openxmlformats.org/markup-compatibility/2006">
+        <mc:Choice xmlns:a14="http://schemas.microsoft.com/office/drawing/2010/main" Requires="a14">
+          <p:sp>
+            <p:nvSpPr>
+              <p:cNvPr id="16" name="ZoneTexte 15"/>
+              <p:cNvSpPr txBox="1"/>
+              <p:nvPr/>
+            </p:nvSpPr>
+            <p:spPr>
+              <a:xfrm>
+                <a:off x="2227991" y="2708992"/>
+                <a:ext cx="367537" cy="253916"/>
+              </a:xfrm>
+              <a:prstGeom prst="rect">
+                <a:avLst/>
+              </a:prstGeom>
+              <a:noFill/>
+            </p:spPr>
+            <p:txBody>
+              <a:bodyPr wrap="none" rtlCol="0">
+                <a:spAutoFit/>
+              </a:bodyPr>
+              <a:lstStyle/>
+              <a:p>
+                <a14:m>
+                  <m:oMathPara xmlns:m="http://schemas.openxmlformats.org/officeDocument/2006/math">
+                    <m:oMathParaPr>
+                      <m:jc m:val="centerGroup"/>
+                    </m:oMathParaPr>
+                    <m:oMath xmlns:m="http://schemas.openxmlformats.org/officeDocument/2006/math">
+                      <m:acc>
+                        <m:accPr>
+                          <m:chr m:val="⃗"/>
+                          <m:ctrlPr>
+                            <a:rPr lang="fr-FR" sz="1050" b="0" i="1" smtClean="0">
+                              <a:latin typeface="Cambria Math"/>
+                            </a:rPr>
+                          </m:ctrlPr>
+                        </m:accPr>
+                        <m:e>
+                          <m:sSub>
+                            <m:sSubPr>
+                              <m:ctrlPr>
+                                <a:rPr lang="fr-FR" sz="1050" i="1">
+                                  <a:latin typeface="Cambria Math"/>
+                                </a:rPr>
+                              </m:ctrlPr>
+                            </m:sSubPr>
+                            <m:e>
+                              <m:r>
+                                <a:rPr lang="fr-FR" sz="1050" b="0" i="1" smtClean="0">
+                                  <a:latin typeface="Cambria Math"/>
+                                </a:rPr>
+                                <m:t>𝑥</m:t>
+                              </m:r>
+                            </m:e>
+                            <m:sub>
+                              <m:r>
+                                <a:rPr lang="fr-FR" sz="1050" i="1">
+                                  <a:latin typeface="Cambria Math"/>
+                                </a:rPr>
+                                <m:t>𝑁</m:t>
+                              </m:r>
+                            </m:sub>
+                          </m:sSub>
+                        </m:e>
+                      </m:acc>
+                    </m:oMath>
+                  </m:oMathPara>
+                </a14:m>
+                <a:endParaRPr lang="fr-FR" sz="1050" dirty="0"/>
+              </a:p>
+            </p:txBody>
+          </p:sp>
+        </mc:Choice>
+        <mc:Fallback>
+          <p:sp>
+            <p:nvSpPr>
+              <p:cNvPr id="16" name="ZoneTexte 15"/>
+              <p:cNvSpPr txBox="1">
+                <a:spLocks noRot="1" noChangeAspect="1" noMove="1" noResize="1" noEditPoints="1" noAdjustHandles="1" noChangeArrowheads="1" noChangeShapeType="1" noTextEdit="1"/>
+              </p:cNvSpPr>
+              <p:nvPr/>
+            </p:nvSpPr>
+            <p:spPr>
+              <a:xfrm>
+                <a:off x="2227991" y="2708992"/>
+                <a:ext cx="367537" cy="253916"/>
+              </a:xfrm>
+              <a:prstGeom prst="rect">
+                <a:avLst/>
+              </a:prstGeom>
+              <a:blipFill rotWithShape="1">
+                <a:blip r:embed="rId4"/>
+                <a:stretch>
+                  <a:fillRect/>
+                </a:stretch>
+              </a:blipFill>
+            </p:spPr>
+            <p:txBody>
+              <a:bodyPr/>
+              <a:lstStyle/>
+              <a:p>
+                <a:r>
+                  <a:rPr lang="fr-FR">
+                    <a:noFill/>
+                  </a:rPr>
+                  <a:t> </a:t>
+                </a:r>
+              </a:p>
+            </p:txBody>
+          </p:sp>
+        </mc:Fallback>
+      </mc:AlternateContent>
+      <mc:AlternateContent xmlns:mc="http://schemas.openxmlformats.org/markup-compatibility/2006">
+        <mc:Choice xmlns:a14="http://schemas.microsoft.com/office/drawing/2010/main" Requires="a14">
+          <p:sp>
+            <p:nvSpPr>
+              <p:cNvPr id="17" name="ZoneTexte 16"/>
+              <p:cNvSpPr txBox="1"/>
+              <p:nvPr/>
+            </p:nvSpPr>
+            <p:spPr>
+              <a:xfrm>
+                <a:off x="1673680" y="1836276"/>
+                <a:ext cx="367985" cy="253916"/>
+              </a:xfrm>
+              <a:prstGeom prst="rect">
+                <a:avLst/>
+              </a:prstGeom>
+              <a:noFill/>
+            </p:spPr>
+            <p:txBody>
+              <a:bodyPr wrap="none" rtlCol="0">
+                <a:spAutoFit/>
+              </a:bodyPr>
+              <a:lstStyle/>
+              <a:p>
+                <a14:m>
+                  <m:oMathPara xmlns:m="http://schemas.openxmlformats.org/officeDocument/2006/math">
+                    <m:oMathParaPr>
+                      <m:jc m:val="centerGroup"/>
+                    </m:oMathParaPr>
+                    <m:oMath xmlns:m="http://schemas.openxmlformats.org/officeDocument/2006/math">
+                      <m:acc>
+                        <m:accPr>
+                          <m:chr m:val="⃗"/>
+                          <m:ctrlPr>
+                            <a:rPr lang="fr-FR" sz="1050" b="0" i="1" smtClean="0">
+                              <a:latin typeface="Cambria Math"/>
+                            </a:rPr>
+                          </m:ctrlPr>
+                        </m:accPr>
+                        <m:e>
+                          <m:sSub>
+                            <m:sSubPr>
+                              <m:ctrlPr>
+                                <a:rPr lang="fr-FR" sz="1050" i="1">
+                                  <a:latin typeface="Cambria Math"/>
+                                </a:rPr>
+                              </m:ctrlPr>
+                            </m:sSubPr>
+                            <m:e>
+                              <m:r>
+                                <a:rPr lang="fr-FR" sz="1050" b="0" i="1" smtClean="0">
+                                  <a:latin typeface="Cambria Math"/>
+                                </a:rPr>
+                                <m:t>𝑦</m:t>
+                              </m:r>
+                            </m:e>
+                            <m:sub>
+                              <m:r>
+                                <a:rPr lang="fr-FR" sz="1050" i="1">
+                                  <a:latin typeface="Cambria Math"/>
+                                </a:rPr>
+                                <m:t>𝑁</m:t>
+                              </m:r>
+                            </m:sub>
+                          </m:sSub>
+                        </m:e>
+                      </m:acc>
+                    </m:oMath>
+                  </m:oMathPara>
+                </a14:m>
+                <a:endParaRPr lang="fr-FR" sz="1050" dirty="0"/>
+              </a:p>
+            </p:txBody>
+          </p:sp>
+        </mc:Choice>
+        <mc:Fallback>
+          <p:sp>
+            <p:nvSpPr>
+              <p:cNvPr id="17" name="ZoneTexte 16"/>
+              <p:cNvSpPr txBox="1">
+                <a:spLocks noRot="1" noChangeAspect="1" noMove="1" noResize="1" noEditPoints="1" noAdjustHandles="1" noChangeArrowheads="1" noChangeShapeType="1" noTextEdit="1"/>
+              </p:cNvSpPr>
+              <p:nvPr/>
+            </p:nvSpPr>
+            <p:spPr>
+              <a:xfrm>
+                <a:off x="1673680" y="1836276"/>
+                <a:ext cx="367985" cy="253916"/>
+              </a:xfrm>
+              <a:prstGeom prst="rect">
+                <a:avLst/>
+              </a:prstGeom>
+              <a:blipFill rotWithShape="1">
+                <a:blip r:embed="rId5"/>
+                <a:stretch>
+                  <a:fillRect/>
+                </a:stretch>
+              </a:blipFill>
+            </p:spPr>
+            <p:txBody>
+              <a:bodyPr/>
+              <a:lstStyle/>
+              <a:p>
+                <a:r>
+                  <a:rPr lang="fr-FR">
+                    <a:noFill/>
+                  </a:rPr>
+                  <a:t> </a:t>
+                </a:r>
+              </a:p>
+            </p:txBody>
+          </p:sp>
+        </mc:Fallback>
+      </mc:AlternateContent>
+      <mc:AlternateContent xmlns:mc="http://schemas.openxmlformats.org/markup-compatibility/2006">
+        <mc:Choice xmlns:a14="http://schemas.microsoft.com/office/drawing/2010/main" Requires="a14">
+          <p:sp>
+            <p:nvSpPr>
+              <p:cNvPr id="18" name="ZoneTexte 17"/>
+              <p:cNvSpPr txBox="1"/>
+              <p:nvPr/>
+            </p:nvSpPr>
+            <p:spPr>
+              <a:xfrm>
+                <a:off x="2239533" y="2246572"/>
+                <a:ext cx="344453" cy="253916"/>
+              </a:xfrm>
+              <a:prstGeom prst="rect">
+                <a:avLst/>
+              </a:prstGeom>
+              <a:noFill/>
+            </p:spPr>
+            <p:txBody>
+              <a:bodyPr wrap="none" rtlCol="0">
+                <a:spAutoFit/>
+              </a:bodyPr>
+              <a:lstStyle/>
+              <a:p>
+                <a14:m>
+                  <m:oMathPara xmlns:m="http://schemas.openxmlformats.org/officeDocument/2006/math">
+                    <m:oMathParaPr>
+                      <m:jc m:val="centerGroup"/>
+                    </m:oMathParaPr>
+                    <m:oMath xmlns:m="http://schemas.openxmlformats.org/officeDocument/2006/math">
+                      <m:acc>
+                        <m:accPr>
+                          <m:chr m:val="⃗"/>
+                          <m:ctrlPr>
+                            <a:rPr lang="fr-FR" sz="1050" b="0" i="1" smtClean="0">
+                              <a:latin typeface="Cambria Math"/>
+                            </a:rPr>
+                          </m:ctrlPr>
+                        </m:accPr>
+                        <m:e>
+                          <m:sSub>
+                            <m:sSubPr>
+                              <m:ctrlPr>
+                                <a:rPr lang="fr-FR" sz="1050" i="1">
+                                  <a:latin typeface="Cambria Math"/>
+                                </a:rPr>
+                              </m:ctrlPr>
+                            </m:sSubPr>
+                            <m:e>
+                              <m:r>
+                                <a:rPr lang="fr-FR" sz="1050" b="0" i="1" smtClean="0">
+                                  <a:latin typeface="Cambria Math"/>
+                                </a:rPr>
+                                <m:t>𝑥</m:t>
+                              </m:r>
+                            </m:e>
+                            <m:sub>
+                              <m:r>
+                                <a:rPr lang="fr-FR" sz="1050" b="0" i="1" smtClean="0">
+                                  <a:latin typeface="Cambria Math"/>
+                                </a:rPr>
+                                <m:t>1</m:t>
+                              </m:r>
+                            </m:sub>
+                          </m:sSub>
+                        </m:e>
+                      </m:acc>
+                    </m:oMath>
+                  </m:oMathPara>
+                </a14:m>
+                <a:endParaRPr lang="fr-FR" sz="1050" dirty="0"/>
+              </a:p>
+            </p:txBody>
+          </p:sp>
+        </mc:Choice>
+        <mc:Fallback>
+          <p:sp>
+            <p:nvSpPr>
+              <p:cNvPr id="18" name="ZoneTexte 17"/>
+              <p:cNvSpPr txBox="1">
+                <a:spLocks noRot="1" noChangeAspect="1" noMove="1" noResize="1" noEditPoints="1" noAdjustHandles="1" noChangeArrowheads="1" noChangeShapeType="1" noTextEdit="1"/>
+              </p:cNvSpPr>
+              <p:nvPr/>
+            </p:nvSpPr>
+            <p:spPr>
+              <a:xfrm>
+                <a:off x="2239533" y="2246572"/>
+                <a:ext cx="344453" cy="253916"/>
+              </a:xfrm>
+              <a:prstGeom prst="rect">
+                <a:avLst/>
+              </a:prstGeom>
+              <a:blipFill rotWithShape="1">
+                <a:blip r:embed="rId6"/>
+                <a:stretch>
+                  <a:fillRect/>
+                </a:stretch>
+              </a:blipFill>
+            </p:spPr>
+            <p:txBody>
+              <a:bodyPr/>
+              <a:lstStyle/>
+              <a:p>
+                <a:r>
+                  <a:rPr lang="fr-FR">
+                    <a:noFill/>
+                  </a:rPr>
+                  <a:t> </a:t>
+                </a:r>
+              </a:p>
+            </p:txBody>
+          </p:sp>
+        </mc:Fallback>
+      </mc:AlternateContent>
+      <mc:AlternateContent xmlns:mc="http://schemas.openxmlformats.org/markup-compatibility/2006">
+        <mc:Choice xmlns:a14="http://schemas.microsoft.com/office/drawing/2010/main" Requires="a14">
+          <p:sp>
+            <p:nvSpPr>
+              <p:cNvPr id="19" name="ZoneTexte 18"/>
+              <p:cNvSpPr txBox="1"/>
+              <p:nvPr/>
+            </p:nvSpPr>
+            <p:spPr>
+              <a:xfrm>
+                <a:off x="1193577" y="1836276"/>
+                <a:ext cx="344902" cy="253916"/>
+              </a:xfrm>
+              <a:prstGeom prst="rect">
+                <a:avLst/>
+              </a:prstGeom>
+              <a:noFill/>
+            </p:spPr>
+            <p:txBody>
+              <a:bodyPr wrap="none" rtlCol="0">
+                <a:spAutoFit/>
+              </a:bodyPr>
+              <a:lstStyle/>
+              <a:p>
+                <a14:m>
+                  <m:oMathPara xmlns:m="http://schemas.openxmlformats.org/officeDocument/2006/math">
+                    <m:oMathParaPr>
+                      <m:jc m:val="centerGroup"/>
+                    </m:oMathParaPr>
+                    <m:oMath xmlns:m="http://schemas.openxmlformats.org/officeDocument/2006/math">
+                      <m:acc>
+                        <m:accPr>
+                          <m:chr m:val="⃗"/>
+                          <m:ctrlPr>
+                            <a:rPr lang="fr-FR" sz="1050" b="0" i="1" smtClean="0">
+                              <a:latin typeface="Cambria Math"/>
+                            </a:rPr>
+                          </m:ctrlPr>
+                        </m:accPr>
+                        <m:e>
+                          <m:sSub>
+                            <m:sSubPr>
+                              <m:ctrlPr>
+                                <a:rPr lang="fr-FR" sz="1050" i="1">
+                                  <a:latin typeface="Cambria Math"/>
+                                </a:rPr>
+                              </m:ctrlPr>
+                            </m:sSubPr>
+                            <m:e>
+                              <m:r>
+                                <a:rPr lang="fr-FR" sz="1050" b="0" i="1" smtClean="0">
+                                  <a:latin typeface="Cambria Math"/>
+                                </a:rPr>
+                                <m:t>𝑦</m:t>
+                              </m:r>
+                            </m:e>
+                            <m:sub>
+                              <m:r>
+                                <a:rPr lang="fr-FR" sz="1050" b="0" i="1" smtClean="0">
+                                  <a:latin typeface="Cambria Math"/>
+                                </a:rPr>
+                                <m:t>1</m:t>
+                              </m:r>
+                            </m:sub>
+                          </m:sSub>
+                        </m:e>
+                      </m:acc>
+                    </m:oMath>
+                  </m:oMathPara>
+                </a14:m>
+                <a:endParaRPr lang="fr-FR" sz="1050" dirty="0"/>
+              </a:p>
+            </p:txBody>
+          </p:sp>
+        </mc:Choice>
+        <mc:Fallback>
+          <p:sp>
+            <p:nvSpPr>
+              <p:cNvPr id="19" name="ZoneTexte 18"/>
+              <p:cNvSpPr txBox="1">
+                <a:spLocks noRot="1" noChangeAspect="1" noMove="1" noResize="1" noEditPoints="1" noAdjustHandles="1" noChangeArrowheads="1" noChangeShapeType="1" noTextEdit="1"/>
+              </p:cNvSpPr>
+              <p:nvPr/>
+            </p:nvSpPr>
+            <p:spPr>
+              <a:xfrm>
+                <a:off x="1193577" y="1836276"/>
+                <a:ext cx="344902" cy="253916"/>
+              </a:xfrm>
+              <a:prstGeom prst="rect">
+                <a:avLst/>
+              </a:prstGeom>
+              <a:blipFill rotWithShape="1">
+                <a:blip r:embed="rId7"/>
+                <a:stretch>
+                  <a:fillRect/>
+                </a:stretch>
+              </a:blipFill>
+            </p:spPr>
+            <p:txBody>
+              <a:bodyPr/>
+              <a:lstStyle/>
+              <a:p>
+                <a:r>
+                  <a:rPr lang="fr-FR">
+                    <a:noFill/>
+                  </a:rPr>
+                  <a:t> </a:t>
+                </a:r>
+              </a:p>
+            </p:txBody>
+          </p:sp>
+        </mc:Fallback>
+      </mc:AlternateContent>
+    </p:spTree>
+    <p:extLst>
+      <p:ext uri="{BB962C8B-B14F-4D97-AF65-F5344CB8AC3E}">
+        <p14:creationId xmlns:p14="http://schemas.microsoft.com/office/powerpoint/2010/main" val="1265994225"/>
       </p:ext>
     </p:extLst>
   </p:cSld>
